--- a/PAPERWORK/论文图例/Clover.pptx
+++ b/PAPERWORK/论文图例/Clover.pptx
@@ -6,6 +6,7 @@
   </p:sldMasterIdLst>
   <p:sldIdLst>
     <p:sldId id="256" r:id="rId2"/>
+    <p:sldId id="257" r:id="rId3"/>
   </p:sldIdLst>
   <p:sldSz cx="12192000" cy="6858000"/>
   <p:notesSz cx="6858000" cy="9144000"/>
@@ -104,6 +105,11 @@
       </a:defRPr>
     </a:lvl9pPr>
   </p:defaultTextStyle>
+  <p:extLst>
+    <p:ext uri="{EFAFB233-063F-42B5-8137-9DF3F51BA10A}">
+      <p15:sldGuideLst xmlns:p15="http://schemas.microsoft.com/office/powerpoint/2012/main"/>
+    </p:ext>
+  </p:extLst>
 </p:presentation>
 </file>
 
@@ -3618,6 +3624,626 @@
 </p:sld>
 </file>
 
+<file path=ppt/slides/slide2.xml><?xml version="1.0" encoding="utf-8"?>
+<p:sld xmlns:a="http://schemas.openxmlformats.org/drawingml/2006/main" xmlns:r="http://schemas.openxmlformats.org/officeDocument/2006/relationships" xmlns:p="http://schemas.openxmlformats.org/presentationml/2006/main">
+  <p:cSld>
+    <p:spTree>
+      <p:nvGrpSpPr>
+        <p:cNvPr id="1" name=""/>
+        <p:cNvGrpSpPr/>
+        <p:nvPr/>
+      </p:nvGrpSpPr>
+      <p:grpSpPr>
+        <a:xfrm>
+          <a:off x="0" y="0"/>
+          <a:ext cx="0" cy="0"/>
+          <a:chOff x="0" y="0"/>
+          <a:chExt cx="0" cy="0"/>
+        </a:xfrm>
+      </p:grpSpPr>
+      <p:grpSp>
+        <p:nvGrpSpPr>
+          <p:cNvPr id="19" name="组合 18">
+            <a:extLst>
+              <a:ext uri="{FF2B5EF4-FFF2-40B4-BE49-F238E27FC236}">
+                <a16:creationId xmlns:a16="http://schemas.microsoft.com/office/drawing/2014/main" id="{48B9037A-E8BB-DB75-DA2B-CB782A025EAD}"/>
+              </a:ext>
+            </a:extLst>
+          </p:cNvPr>
+          <p:cNvGrpSpPr/>
+          <p:nvPr/>
+        </p:nvGrpSpPr>
+        <p:grpSpPr>
+          <a:xfrm>
+            <a:off x="3056876" y="410340"/>
+            <a:ext cx="6078239" cy="6037316"/>
+            <a:chOff x="3056876" y="410340"/>
+            <a:chExt cx="6078239" cy="6037316"/>
+          </a:xfrm>
+        </p:grpSpPr>
+        <p:grpSp>
+          <p:nvGrpSpPr>
+            <p:cNvPr id="18" name="组合 17">
+              <a:extLst>
+                <a:ext uri="{FF2B5EF4-FFF2-40B4-BE49-F238E27FC236}">
+                  <a16:creationId xmlns:a16="http://schemas.microsoft.com/office/drawing/2014/main" id="{E19A5F77-0031-A2E2-827C-CC86147971D1}"/>
+                </a:ext>
+              </a:extLst>
+            </p:cNvPr>
+            <p:cNvGrpSpPr/>
+            <p:nvPr/>
+          </p:nvGrpSpPr>
+          <p:grpSpPr>
+            <a:xfrm>
+              <a:off x="3056876" y="410340"/>
+              <a:ext cx="6078239" cy="6037316"/>
+              <a:chOff x="3056876" y="410340"/>
+              <a:chExt cx="6078239" cy="6037316"/>
+            </a:xfrm>
+          </p:grpSpPr>
+          <p:sp>
+            <p:nvSpPr>
+              <p:cNvPr id="4" name="泪滴形 3">
+                <a:extLst>
+                  <a:ext uri="{FF2B5EF4-FFF2-40B4-BE49-F238E27FC236}">
+                    <a16:creationId xmlns:a16="http://schemas.microsoft.com/office/drawing/2014/main" id="{3D6517EE-AE86-483C-EBC9-202687243B2C}"/>
+                  </a:ext>
+                </a:extLst>
+              </p:cNvPr>
+              <p:cNvSpPr/>
+              <p:nvPr/>
+            </p:nvSpPr>
+            <p:spPr>
+              <a:xfrm rot="2700000">
+                <a:off x="3056876" y="2218506"/>
+                <a:ext cx="2420983" cy="2420983"/>
+              </a:xfrm>
+              <a:prstGeom prst="teardrop">
+                <a:avLst/>
+              </a:prstGeom>
+              <a:gradFill flip="none" rotWithShape="1">
+                <a:gsLst>
+                  <a:gs pos="0">
+                    <a:schemeClr val="accent6">
+                      <a:alpha val="0"/>
+                      <a:lumMod val="60000"/>
+                      <a:lumOff val="40000"/>
+                    </a:schemeClr>
+                  </a:gs>
+                  <a:gs pos="50000">
+                    <a:schemeClr val="accent6">
+                      <a:lumMod val="60000"/>
+                      <a:lumOff val="40000"/>
+                      <a:alpha val="85000"/>
+                    </a:schemeClr>
+                  </a:gs>
+                  <a:gs pos="100000">
+                    <a:schemeClr val="accent6">
+                      <a:lumMod val="60000"/>
+                      <a:lumOff val="40000"/>
+                    </a:schemeClr>
+                  </a:gs>
+                </a:gsLst>
+                <a:lin ang="8100000" scaled="0"/>
+                <a:tileRect/>
+              </a:gradFill>
+              <a:ln w="38100">
+                <a:gradFill>
+                  <a:gsLst>
+                    <a:gs pos="25000">
+                      <a:schemeClr val="bg1">
+                        <a:alpha val="0"/>
+                        <a:lumMod val="60000"/>
+                        <a:lumOff val="40000"/>
+                      </a:schemeClr>
+                    </a:gs>
+                    <a:gs pos="100000">
+                      <a:schemeClr val="bg1">
+                        <a:alpha val="85000"/>
+                        <a:lumMod val="60000"/>
+                        <a:lumOff val="40000"/>
+                      </a:schemeClr>
+                    </a:gs>
+                    <a:gs pos="50000">
+                      <a:schemeClr val="bg1">
+                        <a:lumMod val="60000"/>
+                        <a:lumOff val="40000"/>
+                        <a:alpha val="50000"/>
+                      </a:schemeClr>
+                    </a:gs>
+                  </a:gsLst>
+                  <a:lin ang="8100000" scaled="0"/>
+                </a:gradFill>
+              </a:ln>
+              <a:effectLst/>
+            </p:spPr>
+            <p:style>
+              <a:lnRef idx="2">
+                <a:schemeClr val="accent1">
+                  <a:shade val="50000"/>
+                </a:schemeClr>
+              </a:lnRef>
+              <a:fillRef idx="1">
+                <a:schemeClr val="accent1"/>
+              </a:fillRef>
+              <a:effectRef idx="0">
+                <a:schemeClr val="accent1"/>
+              </a:effectRef>
+              <a:fontRef idx="minor">
+                <a:schemeClr val="lt1"/>
+              </a:fontRef>
+            </p:style>
+            <p:txBody>
+              <a:bodyPr rtlCol="0" anchor="ctr"/>
+              <a:lstStyle/>
+              <a:p>
+                <a:pPr algn="ctr"/>
+                <a:endParaRPr lang="zh-CN" altLang="en-US" dirty="0"/>
+              </a:p>
+            </p:txBody>
+          </p:sp>
+          <p:sp>
+            <p:nvSpPr>
+              <p:cNvPr id="5" name="泪滴形 4">
+                <a:extLst>
+                  <a:ext uri="{FF2B5EF4-FFF2-40B4-BE49-F238E27FC236}">
+                    <a16:creationId xmlns:a16="http://schemas.microsoft.com/office/drawing/2014/main" id="{5EE57874-E061-6D08-FA06-267AF723D7A9}"/>
+                  </a:ext>
+                </a:extLst>
+              </p:cNvPr>
+              <p:cNvSpPr/>
+              <p:nvPr/>
+            </p:nvSpPr>
+            <p:spPr>
+              <a:xfrm rot="8100000">
+                <a:off x="4885505" y="410340"/>
+                <a:ext cx="2420983" cy="2420983"/>
+              </a:xfrm>
+              <a:prstGeom prst="teardrop">
+                <a:avLst/>
+              </a:prstGeom>
+              <a:gradFill flip="none" rotWithShape="1">
+                <a:gsLst>
+                  <a:gs pos="0">
+                    <a:schemeClr val="accent6">
+                      <a:alpha val="0"/>
+                      <a:lumMod val="60000"/>
+                      <a:lumOff val="40000"/>
+                    </a:schemeClr>
+                  </a:gs>
+                  <a:gs pos="50000">
+                    <a:schemeClr val="accent6">
+                      <a:lumMod val="60000"/>
+                      <a:lumOff val="40000"/>
+                      <a:alpha val="85000"/>
+                    </a:schemeClr>
+                  </a:gs>
+                  <a:gs pos="100000">
+                    <a:schemeClr val="accent6">
+                      <a:lumMod val="60000"/>
+                      <a:lumOff val="40000"/>
+                    </a:schemeClr>
+                  </a:gs>
+                </a:gsLst>
+                <a:lin ang="8100000" scaled="0"/>
+                <a:tileRect/>
+              </a:gradFill>
+              <a:ln w="38100">
+                <a:gradFill>
+                  <a:gsLst>
+                    <a:gs pos="25000">
+                      <a:schemeClr val="bg1">
+                        <a:alpha val="0"/>
+                        <a:lumMod val="60000"/>
+                        <a:lumOff val="40000"/>
+                      </a:schemeClr>
+                    </a:gs>
+                    <a:gs pos="100000">
+                      <a:schemeClr val="bg1">
+                        <a:alpha val="85000"/>
+                        <a:lumMod val="60000"/>
+                        <a:lumOff val="40000"/>
+                      </a:schemeClr>
+                    </a:gs>
+                    <a:gs pos="50000">
+                      <a:schemeClr val="bg1">
+                        <a:lumMod val="60000"/>
+                        <a:lumOff val="40000"/>
+                        <a:alpha val="50000"/>
+                      </a:schemeClr>
+                    </a:gs>
+                  </a:gsLst>
+                  <a:lin ang="8100000" scaled="0"/>
+                </a:gradFill>
+              </a:ln>
+              <a:effectLst/>
+            </p:spPr>
+            <p:style>
+              <a:lnRef idx="2">
+                <a:schemeClr val="accent1">
+                  <a:shade val="50000"/>
+                </a:schemeClr>
+              </a:lnRef>
+              <a:fillRef idx="1">
+                <a:schemeClr val="accent1"/>
+              </a:fillRef>
+              <a:effectRef idx="0">
+                <a:schemeClr val="accent1"/>
+              </a:effectRef>
+              <a:fontRef idx="minor">
+                <a:schemeClr val="lt1"/>
+              </a:fontRef>
+            </p:style>
+            <p:txBody>
+              <a:bodyPr rtlCol="0" anchor="ctr"/>
+              <a:lstStyle/>
+              <a:p>
+                <a:pPr algn="ctr"/>
+                <a:endParaRPr lang="zh-CN" altLang="en-US" dirty="0"/>
+              </a:p>
+            </p:txBody>
+          </p:sp>
+          <p:sp>
+            <p:nvSpPr>
+              <p:cNvPr id="7" name="泪滴形 6">
+                <a:extLst>
+                  <a:ext uri="{FF2B5EF4-FFF2-40B4-BE49-F238E27FC236}">
+                    <a16:creationId xmlns:a16="http://schemas.microsoft.com/office/drawing/2014/main" id="{384C2900-C9BA-6C1C-D248-FB052EBC7107}"/>
+                  </a:ext>
+                </a:extLst>
+              </p:cNvPr>
+              <p:cNvSpPr/>
+              <p:nvPr/>
+            </p:nvSpPr>
+            <p:spPr>
+              <a:xfrm rot="18900000">
+                <a:off x="4885505" y="4026673"/>
+                <a:ext cx="2420983" cy="2420983"/>
+              </a:xfrm>
+              <a:prstGeom prst="teardrop">
+                <a:avLst/>
+              </a:prstGeom>
+              <a:gradFill flip="none" rotWithShape="1">
+                <a:gsLst>
+                  <a:gs pos="0">
+                    <a:schemeClr val="accent6">
+                      <a:alpha val="0"/>
+                      <a:lumMod val="60000"/>
+                      <a:lumOff val="40000"/>
+                    </a:schemeClr>
+                  </a:gs>
+                  <a:gs pos="50000">
+                    <a:schemeClr val="accent6">
+                      <a:lumMod val="60000"/>
+                      <a:lumOff val="40000"/>
+                      <a:alpha val="85000"/>
+                    </a:schemeClr>
+                  </a:gs>
+                  <a:gs pos="100000">
+                    <a:schemeClr val="accent6">
+                      <a:lumMod val="60000"/>
+                      <a:lumOff val="40000"/>
+                    </a:schemeClr>
+                  </a:gs>
+                </a:gsLst>
+                <a:lin ang="8100000" scaled="0"/>
+                <a:tileRect/>
+              </a:gradFill>
+              <a:ln w="38100">
+                <a:gradFill>
+                  <a:gsLst>
+                    <a:gs pos="25000">
+                      <a:schemeClr val="bg1">
+                        <a:alpha val="0"/>
+                        <a:lumMod val="60000"/>
+                        <a:lumOff val="40000"/>
+                      </a:schemeClr>
+                    </a:gs>
+                    <a:gs pos="100000">
+                      <a:schemeClr val="bg1">
+                        <a:alpha val="85000"/>
+                        <a:lumMod val="60000"/>
+                        <a:lumOff val="40000"/>
+                      </a:schemeClr>
+                    </a:gs>
+                    <a:gs pos="50000">
+                      <a:schemeClr val="bg1">
+                        <a:lumMod val="60000"/>
+                        <a:lumOff val="40000"/>
+                        <a:alpha val="50000"/>
+                      </a:schemeClr>
+                    </a:gs>
+                  </a:gsLst>
+                  <a:lin ang="8100000" scaled="0"/>
+                </a:gradFill>
+              </a:ln>
+              <a:effectLst/>
+            </p:spPr>
+            <p:style>
+              <a:lnRef idx="2">
+                <a:schemeClr val="accent1">
+                  <a:shade val="50000"/>
+                </a:schemeClr>
+              </a:lnRef>
+              <a:fillRef idx="1">
+                <a:schemeClr val="accent1"/>
+              </a:fillRef>
+              <a:effectRef idx="0">
+                <a:schemeClr val="accent1"/>
+              </a:effectRef>
+              <a:fontRef idx="minor">
+                <a:schemeClr val="lt1"/>
+              </a:fontRef>
+            </p:style>
+            <p:txBody>
+              <a:bodyPr rtlCol="0" anchor="ctr"/>
+              <a:lstStyle/>
+              <a:p>
+                <a:pPr algn="ctr"/>
+                <a:endParaRPr lang="zh-CN" altLang="en-US" dirty="0"/>
+              </a:p>
+            </p:txBody>
+          </p:sp>
+          <p:sp>
+            <p:nvSpPr>
+              <p:cNvPr id="8" name="泪滴形 7">
+                <a:extLst>
+                  <a:ext uri="{FF2B5EF4-FFF2-40B4-BE49-F238E27FC236}">
+                    <a16:creationId xmlns:a16="http://schemas.microsoft.com/office/drawing/2014/main" id="{FAD62CDE-5040-3564-72CA-9019A31FC3E4}"/>
+                  </a:ext>
+                </a:extLst>
+              </p:cNvPr>
+              <p:cNvSpPr/>
+              <p:nvPr/>
+            </p:nvSpPr>
+            <p:spPr>
+              <a:xfrm rot="13500000">
+                <a:off x="6714132" y="2218508"/>
+                <a:ext cx="2420983" cy="2420983"/>
+              </a:xfrm>
+              <a:prstGeom prst="teardrop">
+                <a:avLst/>
+              </a:prstGeom>
+              <a:gradFill flip="none" rotWithShape="1">
+                <a:gsLst>
+                  <a:gs pos="0">
+                    <a:schemeClr val="accent6">
+                      <a:alpha val="0"/>
+                      <a:lumMod val="60000"/>
+                      <a:lumOff val="40000"/>
+                    </a:schemeClr>
+                  </a:gs>
+                  <a:gs pos="50000">
+                    <a:schemeClr val="accent6">
+                      <a:lumMod val="60000"/>
+                      <a:lumOff val="40000"/>
+                      <a:alpha val="85000"/>
+                    </a:schemeClr>
+                  </a:gs>
+                  <a:gs pos="100000">
+                    <a:schemeClr val="accent6">
+                      <a:lumMod val="60000"/>
+                      <a:lumOff val="40000"/>
+                    </a:schemeClr>
+                  </a:gs>
+                </a:gsLst>
+                <a:lin ang="8100000" scaled="0"/>
+                <a:tileRect/>
+              </a:gradFill>
+              <a:ln w="38100">
+                <a:gradFill>
+                  <a:gsLst>
+                    <a:gs pos="25000">
+                      <a:schemeClr val="bg1">
+                        <a:alpha val="0"/>
+                        <a:lumMod val="60000"/>
+                        <a:lumOff val="40000"/>
+                      </a:schemeClr>
+                    </a:gs>
+                    <a:gs pos="100000">
+                      <a:schemeClr val="bg1">
+                        <a:alpha val="85000"/>
+                        <a:lumMod val="60000"/>
+                        <a:lumOff val="40000"/>
+                      </a:schemeClr>
+                    </a:gs>
+                    <a:gs pos="50000">
+                      <a:schemeClr val="bg1">
+                        <a:lumMod val="60000"/>
+                        <a:lumOff val="40000"/>
+                        <a:alpha val="50000"/>
+                      </a:schemeClr>
+                    </a:gs>
+                  </a:gsLst>
+                  <a:lin ang="8100000" scaled="0"/>
+                </a:gradFill>
+              </a:ln>
+              <a:effectLst/>
+            </p:spPr>
+            <p:style>
+              <a:lnRef idx="2">
+                <a:schemeClr val="accent1">
+                  <a:shade val="50000"/>
+                </a:schemeClr>
+              </a:lnRef>
+              <a:fillRef idx="1">
+                <a:schemeClr val="accent1"/>
+              </a:fillRef>
+              <a:effectRef idx="0">
+                <a:schemeClr val="accent1"/>
+              </a:effectRef>
+              <a:fontRef idx="minor">
+                <a:schemeClr val="lt1"/>
+              </a:fontRef>
+            </p:style>
+            <p:txBody>
+              <a:bodyPr rtlCol="0" anchor="ctr"/>
+              <a:lstStyle/>
+              <a:p>
+                <a:pPr algn="ctr"/>
+                <a:endParaRPr lang="zh-CN" altLang="en-US" dirty="0"/>
+              </a:p>
+            </p:txBody>
+          </p:sp>
+        </p:grpSp>
+        <p:pic>
+          <p:nvPicPr>
+            <p:cNvPr id="11" name="图片 10" descr="形状&#10;&#10;中度可信度描述已自动生成">
+              <a:extLst>
+                <a:ext uri="{FF2B5EF4-FFF2-40B4-BE49-F238E27FC236}">
+                  <a16:creationId xmlns:a16="http://schemas.microsoft.com/office/drawing/2014/main" id="{69B24226-62AD-D104-C6AC-1944A7B8F61F}"/>
+                </a:ext>
+              </a:extLst>
+            </p:cNvPr>
+            <p:cNvPicPr>
+              <a:picLocks noChangeAspect="1"/>
+            </p:cNvPicPr>
+            <p:nvPr/>
+          </p:nvPicPr>
+          <p:blipFill>
+            <a:blip r:embed="rId2">
+              <a:extLst>
+                <a:ext uri="{28A0092B-C50C-407E-A947-70E740481C1C}">
+                  <a14:useLocalDpi xmlns:a14="http://schemas.microsoft.com/office/drawing/2010/main" val="0"/>
+                </a:ext>
+              </a:extLst>
+            </a:blip>
+            <a:stretch>
+              <a:fillRect/>
+            </a:stretch>
+          </p:blipFill>
+          <p:spPr>
+            <a:xfrm>
+              <a:off x="4001329" y="4785059"/>
+              <a:ext cx="4189331" cy="701582"/>
+            </a:xfrm>
+            <a:prstGeom prst="rect">
+              <a:avLst/>
+            </a:prstGeom>
+          </p:spPr>
+        </p:pic>
+        <p:pic>
+          <p:nvPicPr>
+            <p:cNvPr id="13" name="图片 12" descr="形状&#10;&#10;中度可信度描述已自动生成">
+              <a:extLst>
+                <a:ext uri="{FF2B5EF4-FFF2-40B4-BE49-F238E27FC236}">
+                  <a16:creationId xmlns:a16="http://schemas.microsoft.com/office/drawing/2014/main" id="{EF6A51BF-DCBD-CE98-4BC9-308EE751AD6A}"/>
+                </a:ext>
+              </a:extLst>
+            </p:cNvPr>
+            <p:cNvPicPr>
+              <a:picLocks noChangeAspect="1"/>
+            </p:cNvPicPr>
+            <p:nvPr/>
+          </p:nvPicPr>
+          <p:blipFill>
+            <a:blip r:embed="rId3">
+              <a:extLst>
+                <a:ext uri="{28A0092B-C50C-407E-A947-70E740481C1C}">
+                  <a14:useLocalDpi xmlns:a14="http://schemas.microsoft.com/office/drawing/2010/main" val="0"/>
+                </a:ext>
+              </a:extLst>
+            </a:blip>
+            <a:stretch>
+              <a:fillRect/>
+            </a:stretch>
+          </p:blipFill>
+          <p:spPr>
+            <a:xfrm>
+              <a:off x="4001330" y="1366313"/>
+              <a:ext cx="4189331" cy="701582"/>
+            </a:xfrm>
+            <a:prstGeom prst="rect">
+              <a:avLst/>
+            </a:prstGeom>
+          </p:spPr>
+        </p:pic>
+        <p:pic>
+          <p:nvPicPr>
+            <p:cNvPr id="15" name="图片 14" descr="形状&#10;&#10;中度可信度描述已自动生成">
+              <a:extLst>
+                <a:ext uri="{FF2B5EF4-FFF2-40B4-BE49-F238E27FC236}">
+                  <a16:creationId xmlns:a16="http://schemas.microsoft.com/office/drawing/2014/main" id="{FEC96069-DEEF-10A1-36DA-1CDE98792FA1}"/>
+                </a:ext>
+              </a:extLst>
+            </p:cNvPr>
+            <p:cNvPicPr>
+              <a:picLocks noChangeAspect="1"/>
+            </p:cNvPicPr>
+            <p:nvPr/>
+          </p:nvPicPr>
+          <p:blipFill>
+            <a:blip r:embed="rId4">
+              <a:extLst>
+                <a:ext uri="{28A0092B-C50C-407E-A947-70E740481C1C}">
+                  <a14:useLocalDpi xmlns:a14="http://schemas.microsoft.com/office/drawing/2010/main" val="0"/>
+                </a:ext>
+              </a:extLst>
+            </a:blip>
+            <a:stretch>
+              <a:fillRect/>
+            </a:stretch>
+          </p:blipFill>
+          <p:spPr>
+            <a:xfrm rot="16200000">
+              <a:off x="2325210" y="3083717"/>
+              <a:ext cx="4189331" cy="701582"/>
+            </a:xfrm>
+            <a:prstGeom prst="rect">
+              <a:avLst/>
+            </a:prstGeom>
+          </p:spPr>
+        </p:pic>
+        <p:pic>
+          <p:nvPicPr>
+            <p:cNvPr id="17" name="图片 16" descr="形状&#10;&#10;中度可信度描述已自动生成">
+              <a:extLst>
+                <a:ext uri="{FF2B5EF4-FFF2-40B4-BE49-F238E27FC236}">
+                  <a16:creationId xmlns:a16="http://schemas.microsoft.com/office/drawing/2014/main" id="{66231D92-C94B-3185-B42B-5D49FA114661}"/>
+                </a:ext>
+              </a:extLst>
+            </p:cNvPr>
+            <p:cNvPicPr>
+              <a:picLocks noChangeAspect="1"/>
+            </p:cNvPicPr>
+            <p:nvPr/>
+          </p:nvPicPr>
+          <p:blipFill>
+            <a:blip r:embed="rId5">
+              <a:extLst>
+                <a:ext uri="{28A0092B-C50C-407E-A947-70E740481C1C}">
+                  <a14:useLocalDpi xmlns:a14="http://schemas.microsoft.com/office/drawing/2010/main" val="0"/>
+                </a:ext>
+              </a:extLst>
+            </a:blip>
+            <a:stretch>
+              <a:fillRect/>
+            </a:stretch>
+          </p:blipFill>
+          <p:spPr>
+            <a:xfrm rot="5400000">
+              <a:off x="5677452" y="3078207"/>
+              <a:ext cx="4189331" cy="701582"/>
+            </a:xfrm>
+            <a:prstGeom prst="rect">
+              <a:avLst/>
+            </a:prstGeom>
+          </p:spPr>
+        </p:pic>
+      </p:grpSp>
+    </p:spTree>
+    <p:extLst>
+      <p:ext uri="{BB962C8B-B14F-4D97-AF65-F5344CB8AC3E}">
+        <p14:creationId xmlns:p14="http://schemas.microsoft.com/office/powerpoint/2010/main" val="2078284817"/>
+      </p:ext>
+    </p:extLst>
+  </p:cSld>
+  <p:clrMapOvr>
+    <a:masterClrMapping/>
+  </p:clrMapOvr>
+</p:sld>
+</file>
+
 <file path=ppt/theme/theme1.xml><?xml version="1.0" encoding="utf-8"?>
 <a:theme xmlns:a="http://schemas.openxmlformats.org/drawingml/2006/main" name="Office 主题​​">
   <a:themeElements>
